--- a/lecnotes/lecture07.pptx
+++ b/lecnotes/lecture07.pptx
@@ -366,7 +366,7 @@
           <a:p>
             <a:fld id="{9184DA70-C731-4C70-880D-CCD4705E623C}" type="datetime1">
               <a:rPr lang="en-US" smtClean="0"/>
-              <a:t>2/22/2022</a:t>
+              <a:t>11/28/2022</a:t>
             </a:fld>
             <a:endParaRPr lang="en-US" dirty="0"/>
           </a:p>
@@ -554,7 +554,7 @@
           <a:p>
             <a:fld id="{B612A279-0833-481D-8C56-F67FD0AC6C50}" type="datetime1">
               <a:rPr lang="en-US" smtClean="0"/>
-              <a:t>2/22/2022</a:t>
+              <a:t>11/28/2022</a:t>
             </a:fld>
             <a:endParaRPr lang="en-US" dirty="0"/>
           </a:p>
@@ -796,7 +796,7 @@
           <a:p>
             <a:fld id="{6587DA83-5663-4C9C-B9AA-0B40A3DAFF81}" type="datetime1">
               <a:rPr lang="en-US" smtClean="0"/>
-              <a:t>2/22/2022</a:t>
+              <a:t>11/28/2022</a:t>
             </a:fld>
             <a:endParaRPr lang="en-US" dirty="0"/>
           </a:p>
@@ -984,7 +984,7 @@
           <a:p>
             <a:fld id="{4BE1D723-8F53-4F53-90B0-1982A396982E}" type="datetime1">
               <a:rPr lang="en-US" smtClean="0"/>
-              <a:t>2/22/2022</a:t>
+              <a:t>11/28/2022</a:t>
             </a:fld>
             <a:endParaRPr lang="en-US" dirty="0"/>
           </a:p>
@@ -1357,7 +1357,7 @@
           <a:p>
             <a:fld id="{97669AF7-7BEB-44E4-9852-375E34362B5B}" type="datetime1">
               <a:rPr lang="en-US" smtClean="0"/>
-              <a:t>2/22/2022</a:t>
+              <a:t>11/28/2022</a:t>
             </a:fld>
             <a:endParaRPr lang="en-US" dirty="0"/>
           </a:p>
@@ -1612,7 +1612,7 @@
           <a:p>
             <a:fld id="{BAAAC38D-0552-4C82-B593-E6124DFADBE2}" type="datetime1">
               <a:rPr lang="en-US" smtClean="0"/>
-              <a:t>2/22/2022</a:t>
+              <a:t>11/28/2022</a:t>
             </a:fld>
             <a:endParaRPr lang="en-US" dirty="0"/>
           </a:p>
@@ -2009,7 +2009,7 @@
           <a:p>
             <a:fld id="{D9DF0F1C-5577-4ACB-BB62-DF8F3C494C7E}" type="datetime1">
               <a:rPr lang="en-US" smtClean="0"/>
-              <a:t>2/22/2022</a:t>
+              <a:t>11/28/2022</a:t>
             </a:fld>
             <a:endParaRPr lang="en-US" dirty="0"/>
           </a:p>
@@ -2145,7 +2145,7 @@
           <a:p>
             <a:fld id="{1775B394-D9F9-4F0C-B15D-605F45CB9E9F}" type="datetime1">
               <a:rPr lang="en-US" smtClean="0"/>
-              <a:t>2/22/2022</a:t>
+              <a:t>11/28/2022</a:t>
             </a:fld>
             <a:endParaRPr lang="en-US" dirty="0"/>
           </a:p>
@@ -2302,7 +2302,7 @@
           <a:p>
             <a:fld id="{39667345-2558-425A-8533-9BFDBCE15005}" type="datetime1">
               <a:rPr lang="en-US" smtClean="0"/>
-              <a:t>2/22/2022</a:t>
+              <a:t>11/28/2022</a:t>
             </a:fld>
             <a:endParaRPr lang="en-US" dirty="0"/>
           </a:p>
@@ -2631,7 +2631,7 @@
           <a:p>
             <a:fld id="{92BEA474-078D-4E9B-9B14-09A87B19DC46}" type="datetime1">
               <a:rPr lang="en-US" smtClean="0"/>
-              <a:t>2/22/2022</a:t>
+              <a:t>11/28/2022</a:t>
             </a:fld>
             <a:endParaRPr lang="en-US" dirty="0"/>
           </a:p>
@@ -2981,7 +2981,7 @@
           <a:p>
             <a:fld id="{4907D986-8816-4272-A432-0437A28A9828}" type="datetime1">
               <a:rPr lang="en-US" smtClean="0"/>
-              <a:t>2/22/2022</a:t>
+              <a:t>11/28/2022</a:t>
             </a:fld>
             <a:endParaRPr lang="en-US" dirty="0"/>
           </a:p>
@@ -3242,7 +3242,7 @@
           <a:p>
             <a:fld id="{62D6E202-B606-4609-B914-27C9371A1F6D}" type="datetime1">
               <a:rPr lang="en-US" smtClean="0"/>
-              <a:t>2/22/2022</a:t>
+              <a:t>11/28/2022</a:t>
             </a:fld>
             <a:endParaRPr lang="en-US" dirty="0"/>
           </a:p>
@@ -3930,13 +3930,13 @@
         </p:spPr>
         <p:txBody>
           <a:bodyPr>
-            <a:normAutofit/>
+            <a:normAutofit fontScale="85000" lnSpcReduction="10000"/>
           </a:bodyPr>
           <a:lstStyle/>
           <a:p>
             <a:r>
               <a:rPr lang="en-US" dirty="0"/>
-              <a:t>February 23, 2022</a:t>
+              <a:t>Fall 2022  | University of mount union</a:t>
             </a:r>
           </a:p>
         </p:txBody>

--- a/lecnotes/lecture07.pptx
+++ b/lecnotes/lecture07.pptx
@@ -366,7 +366,7 @@
           <a:p>
             <a:fld id="{9184DA70-C731-4C70-880D-CCD4705E623C}" type="datetime1">
               <a:rPr lang="en-US" smtClean="0"/>
-              <a:t>11/28/2022</a:t>
+              <a:t>9/27/2023</a:t>
             </a:fld>
             <a:endParaRPr lang="en-US" dirty="0"/>
           </a:p>
@@ -554,7 +554,7 @@
           <a:p>
             <a:fld id="{B612A279-0833-481D-8C56-F67FD0AC6C50}" type="datetime1">
               <a:rPr lang="en-US" smtClean="0"/>
-              <a:t>11/28/2022</a:t>
+              <a:t>9/27/2023</a:t>
             </a:fld>
             <a:endParaRPr lang="en-US" dirty="0"/>
           </a:p>
@@ -796,7 +796,7 @@
           <a:p>
             <a:fld id="{6587DA83-5663-4C9C-B9AA-0B40A3DAFF81}" type="datetime1">
               <a:rPr lang="en-US" smtClean="0"/>
-              <a:t>11/28/2022</a:t>
+              <a:t>9/27/2023</a:t>
             </a:fld>
             <a:endParaRPr lang="en-US" dirty="0"/>
           </a:p>
@@ -984,7 +984,7 @@
           <a:p>
             <a:fld id="{4BE1D723-8F53-4F53-90B0-1982A396982E}" type="datetime1">
               <a:rPr lang="en-US" smtClean="0"/>
-              <a:t>11/28/2022</a:t>
+              <a:t>9/27/2023</a:t>
             </a:fld>
             <a:endParaRPr lang="en-US" dirty="0"/>
           </a:p>
@@ -1357,7 +1357,7 @@
           <a:p>
             <a:fld id="{97669AF7-7BEB-44E4-9852-375E34362B5B}" type="datetime1">
               <a:rPr lang="en-US" smtClean="0"/>
-              <a:t>11/28/2022</a:t>
+              <a:t>9/27/2023</a:t>
             </a:fld>
             <a:endParaRPr lang="en-US" dirty="0"/>
           </a:p>
@@ -1612,7 +1612,7 @@
           <a:p>
             <a:fld id="{BAAAC38D-0552-4C82-B593-E6124DFADBE2}" type="datetime1">
               <a:rPr lang="en-US" smtClean="0"/>
-              <a:t>11/28/2022</a:t>
+              <a:t>9/27/2023</a:t>
             </a:fld>
             <a:endParaRPr lang="en-US" dirty="0"/>
           </a:p>
@@ -2009,7 +2009,7 @@
           <a:p>
             <a:fld id="{D9DF0F1C-5577-4ACB-BB62-DF8F3C494C7E}" type="datetime1">
               <a:rPr lang="en-US" smtClean="0"/>
-              <a:t>11/28/2022</a:t>
+              <a:t>9/27/2023</a:t>
             </a:fld>
             <a:endParaRPr lang="en-US" dirty="0"/>
           </a:p>
@@ -2145,7 +2145,7 @@
           <a:p>
             <a:fld id="{1775B394-D9F9-4F0C-B15D-605F45CB9E9F}" type="datetime1">
               <a:rPr lang="en-US" smtClean="0"/>
-              <a:t>11/28/2022</a:t>
+              <a:t>9/27/2023</a:t>
             </a:fld>
             <a:endParaRPr lang="en-US" dirty="0"/>
           </a:p>
@@ -2302,7 +2302,7 @@
           <a:p>
             <a:fld id="{39667345-2558-425A-8533-9BFDBCE15005}" type="datetime1">
               <a:rPr lang="en-US" smtClean="0"/>
-              <a:t>11/28/2022</a:t>
+              <a:t>9/27/2023</a:t>
             </a:fld>
             <a:endParaRPr lang="en-US" dirty="0"/>
           </a:p>
@@ -2631,7 +2631,7 @@
           <a:p>
             <a:fld id="{92BEA474-078D-4E9B-9B14-09A87B19DC46}" type="datetime1">
               <a:rPr lang="en-US" smtClean="0"/>
-              <a:t>11/28/2022</a:t>
+              <a:t>9/27/2023</a:t>
             </a:fld>
             <a:endParaRPr lang="en-US" dirty="0"/>
           </a:p>
@@ -2981,7 +2981,7 @@
           <a:p>
             <a:fld id="{4907D986-8816-4272-A432-0437A28A9828}" type="datetime1">
               <a:rPr lang="en-US" smtClean="0"/>
-              <a:t>11/28/2022</a:t>
+              <a:t>9/27/2023</a:t>
             </a:fld>
             <a:endParaRPr lang="en-US" dirty="0"/>
           </a:p>
@@ -3242,7 +3242,7 @@
           <a:p>
             <a:fld id="{62D6E202-B606-4609-B914-27C9371A1F6D}" type="datetime1">
               <a:rPr lang="en-US" smtClean="0"/>
-              <a:t>11/28/2022</a:t>
+              <a:t>9/27/2023</a:t>
             </a:fld>
             <a:endParaRPr lang="en-US" dirty="0"/>
           </a:p>
@@ -3930,13 +3930,17 @@
         </p:spPr>
         <p:txBody>
           <a:bodyPr>
-            <a:normAutofit fontScale="85000" lnSpcReduction="10000"/>
+            <a:normAutofit/>
           </a:bodyPr>
           <a:lstStyle/>
           <a:p>
             <a:r>
+              <a:rPr lang="en-US"/>
+              <a:t>University </a:t>
+            </a:r>
+            <a:r>
               <a:rPr lang="en-US" dirty="0"/>
-              <a:t>Fall 2022  | University of mount union</a:t>
+              <a:t>of mount union</a:t>
             </a:r>
           </a:p>
         </p:txBody>
